--- a/Lecture_1_OOP.pptx
+++ b/Lecture_1_OOP.pptx
@@ -3637,7 +3637,6 @@
               <a:rPr lang="ru-RU" sz="2000" dirty="0" smtClean="0"/>
               <a:t> Всеволод Олегович</a:t>
             </a:r>
-            <a:endParaRPr lang="ru-RU" sz="2000" dirty="0" smtClean="0"/>
           </a:p>
           <a:p>
             <a:pPr marL="0" indent="0" algn="ctr">
@@ -4375,8 +4374,8 @@
           </a:p>
           <a:p>
             <a:r>
-              <a:rPr lang="ru-RU" dirty="0" err="1"/>
-              <a:t>сохраняемость</a:t>
+              <a:rPr lang="ru-RU" dirty="0" err="1" smtClean="0"/>
+              <a:t>персистентность</a:t>
             </a:r>
             <a:endParaRPr lang="ru-RU" dirty="0"/>
           </a:p>
@@ -9093,8 +9092,8 @@
           <a:lstStyle/>
           <a:p>
             <a:r>
-              <a:rPr lang="ru-RU" b="1" dirty="0"/>
-              <a:t>Устойчивость</a:t>
+              <a:rPr lang="ru-RU" b="1" dirty="0" err="1" smtClean="0"/>
+              <a:t>Персистентность</a:t>
             </a:r>
             <a:endParaRPr lang="ru-RU" dirty="0"/>
           </a:p>
@@ -9121,8 +9120,12 @@
               <a:buNone/>
             </a:pPr>
             <a:r>
+              <a:rPr lang="ru-RU" i="1" dirty="0" err="1" smtClean="0"/>
+              <a:t>Персистентность</a:t>
+            </a:r>
+            <a:r>
               <a:rPr lang="ru-RU" i="1" dirty="0" smtClean="0"/>
-              <a:t>Устойчивость (</a:t>
+              <a:t>(</a:t>
             </a:r>
             <a:r>
               <a:rPr lang="ru-RU" i="1" dirty="0" err="1" smtClean="0"/>
